--- a/Matches/EveryDay Carry Championship/EveryDay Carry Championship - February 2022/Action Bay, A - Prince of State Planning.pptx
+++ b/Matches/EveryDay Carry Championship/EveryDay Carry Championship - February 2022/Action Bay, A - Prince of State Planning.pptx
@@ -1805,7 +1805,7 @@
               <a:pPr>
                 <a:defRPr/>
               </a:pPr>
-              <a:t>04.02.2022</a:t>
+              <a:t>05.02.2022</a:t>
             </a:fld>
             <a:endParaRPr lang="en-US"/>
           </a:p>
@@ -5701,7 +5701,7 @@
           <p:nvPr>
             <p:extLst>
               <p:ext uri="{D42A27DB-BD31-4B8C-83A1-F6EECF244321}">
-                <p14:modId xmlns:p14="http://schemas.microsoft.com/office/powerpoint/2010/main" val="3621215075"/>
+                <p14:modId xmlns:p14="http://schemas.microsoft.com/office/powerpoint/2010/main" val="3921406993"/>
               </p:ext>
             </p:extLst>
           </p:nvPr>
@@ -6330,7 +6330,7 @@
                         </a:rPr>
                       </a:br>
                       <a:r>
-                        <a:rPr kumimoji="0" lang="en-US" sz="1100" b="0" i="0" u="none" strike="noStrike" cap="none" normalizeH="0" baseline="0" dirty="0" err="1">
+                        <a:rPr kumimoji="0" lang="en-US" sz="1100" b="0" i="0" u="none" strike="noStrike" cap="none" normalizeH="0" baseline="0">
                           <a:ln>
                             <a:noFill/>
                           </a:ln>
@@ -6342,7 +6342,7 @@
                           <a:ea typeface="ＭＳ Ｐゴシック" pitchFamily="-112" charset="-128"/>
                           <a:cs typeface="Times New Roman" pitchFamily="-112" charset="0"/>
                         </a:rPr>
-                        <a:t>Pcc</a:t>
+                        <a:t>PCC </a:t>
                       </a:r>
                       <a:r>
                         <a:rPr kumimoji="0" lang="en-US" sz="1100" b="0" i="0" u="none" strike="noStrike" cap="none" normalizeH="0" baseline="0" dirty="0">
@@ -6357,7 +6357,7 @@
                           <a:ea typeface="ＭＳ Ｐゴシック" pitchFamily="-112" charset="-128"/>
                           <a:cs typeface="Times New Roman" pitchFamily="-112" charset="0"/>
                         </a:rPr>
-                        <a:t> downloaded to 8 rounds with an empty chamber. Stock touching belt with muzzle pointed downrange.</a:t>
+                        <a:t>downloaded to 8 rounds with an empty chamber. Stock touching belt with muzzle pointed downrange.</a:t>
                       </a:r>
                     </a:p>
                   </a:txBody>
@@ -6738,7 +6738,7 @@
                         <a:tabLst/>
                       </a:pPr>
                       <a:r>
-                        <a:rPr kumimoji="0" lang="en-US" sz="1100" b="0" i="0" u="none" strike="noStrike" cap="none" normalizeH="0" baseline="0">
+                        <a:rPr kumimoji="0" lang="en-US" sz="1100" b="0" i="0" u="none" strike="noStrike" cap="none" normalizeH="0" baseline="0" dirty="0">
                           <a:ln>
                             <a:noFill/>
                           </a:ln>
@@ -6752,18 +6752,6 @@
                         </a:rPr>
                         <a:t>Reload required between first and last shot.</a:t>
                       </a:r>
-                      <a:endParaRPr kumimoji="0" lang="en-US" sz="1100" b="0" i="0" u="none" strike="noStrike" cap="none" normalizeH="0" baseline="0" dirty="0">
-                        <a:ln>
-                          <a:noFill/>
-                        </a:ln>
-                        <a:solidFill>
-                          <a:schemeClr val="tx1"/>
-                        </a:solidFill>
-                        <a:effectLst/>
-                        <a:latin typeface="Arial" charset="0"/>
-                        <a:ea typeface="ＭＳ Ｐゴシック" pitchFamily="-112" charset="-128"/>
-                        <a:cs typeface="Times New Roman" pitchFamily="-112" charset="0"/>
-                      </a:endParaRPr>
                     </a:p>
                   </a:txBody>
                   <a:tcPr marL="45720" marR="45720" marT="45715" marB="45715" horzOverflow="overflow">
